--- a/lectures/CH-5 Superconducting QC Design with Qiskit Metal.pptx
+++ b/lectures/CH-5 Superconducting QC Design with Qiskit Metal.pptx
@@ -13,7 +13,10 @@
     <p:sldId id="262" r:id="rId7"/>
     <p:sldId id="263" r:id="rId8"/>
     <p:sldId id="264" r:id="rId9"/>
-    <p:sldId id="261" r:id="rId10"/>
+    <p:sldId id="266" r:id="rId10"/>
+    <p:sldId id="267" r:id="rId11"/>
+    <p:sldId id="265" r:id="rId12"/>
+    <p:sldId id="261" r:id="rId13"/>
   </p:sldIdLst>
   <p:sldSz cx="12192000" cy="6858000"/>
   <p:notesSz cx="6858000" cy="9144000"/>
@@ -4118,6 +4121,413 @@
 </p:sld>
 </file>
 
+<file path=ppt/slides/slide10.xml><?xml version="1.0" encoding="utf-8"?>
+<p:sld xmlns:a="http://schemas.openxmlformats.org/drawingml/2006/main" xmlns:r="http://schemas.openxmlformats.org/officeDocument/2006/relationships" xmlns:p="http://schemas.openxmlformats.org/presentationml/2006/main">
+  <p:cSld>
+    <p:spTree>
+      <p:nvGrpSpPr>
+        <p:cNvPr id="1" name=""/>
+        <p:cNvGrpSpPr/>
+        <p:nvPr/>
+      </p:nvGrpSpPr>
+      <p:grpSpPr>
+        <a:xfrm>
+          <a:off x="0" y="0"/>
+          <a:ext cx="0" cy="0"/>
+          <a:chOff x="0" y="0"/>
+          <a:chExt cx="0" cy="0"/>
+        </a:xfrm>
+      </p:grpSpPr>
+      <p:sp>
+        <p:nvSpPr>
+          <p:cNvPr id="2" name="Title 1">
+            <a:extLst>
+              <a:ext uri="{FF2B5EF4-FFF2-40B4-BE49-F238E27FC236}">
+                <a16:creationId xmlns:a16="http://schemas.microsoft.com/office/drawing/2014/main" id="{ED55DDC7-9DC8-46E4-A637-89FC0028E1D2}"/>
+              </a:ext>
+            </a:extLst>
+          </p:cNvPr>
+          <p:cNvSpPr>
+            <a:spLocks noGrp="1"/>
+          </p:cNvSpPr>
+          <p:nvPr>
+            <p:ph type="title"/>
+          </p:nvPr>
+        </p:nvSpPr>
+        <p:spPr/>
+        <p:txBody>
+          <a:bodyPr/>
+          <a:lstStyle/>
+          <a:p>
+            <a:r>
+              <a:rPr lang="en-US" dirty="0"/>
+              <a:t>Qdesign module</a:t>
+            </a:r>
+          </a:p>
+        </p:txBody>
+      </p:sp>
+      <p:pic>
+        <p:nvPicPr>
+          <p:cNvPr id="1026" name="Picture 2">
+            <a:extLst>
+              <a:ext uri="{FF2B5EF4-FFF2-40B4-BE49-F238E27FC236}">
+                <a16:creationId xmlns:a16="http://schemas.microsoft.com/office/drawing/2014/main" id="{EF739668-057A-42C5-AC79-3ED71C24AE97}"/>
+              </a:ext>
+            </a:extLst>
+          </p:cNvPr>
+          <p:cNvPicPr>
+            <a:picLocks noGrp="1" noChangeAspect="1" noChangeArrowheads="1"/>
+          </p:cNvPicPr>
+          <p:nvPr>
+            <p:ph idx="1"/>
+          </p:nvPr>
+        </p:nvPicPr>
+        <p:blipFill>
+          <a:blip r:embed="rId2">
+            <a:extLst>
+              <a:ext uri="{28A0092B-C50C-407E-A947-70E740481C1C}">
+                <a14:useLocalDpi xmlns:a14="http://schemas.microsoft.com/office/drawing/2010/main" val="0"/>
+              </a:ext>
+            </a:extLst>
+          </a:blip>
+          <a:srcRect/>
+          <a:stretch>
+            <a:fillRect/>
+          </a:stretch>
+        </p:blipFill>
+        <p:spPr bwMode="auto">
+          <a:xfrm>
+            <a:off x="572433" y="2429301"/>
+            <a:ext cx="6312555" cy="3550812"/>
+          </a:xfrm>
+          <a:prstGeom prst="rect">
+            <a:avLst/>
+          </a:prstGeom>
+          <a:noFill/>
+          <a:extLst>
+            <a:ext uri="{909E8E84-426E-40DD-AFC4-6F175D3DCCD1}">
+              <a14:hiddenFill xmlns:a14="http://schemas.microsoft.com/office/drawing/2010/main">
+                <a:solidFill>
+                  <a:srgbClr val="FFFFFF"/>
+                </a:solidFill>
+              </a14:hiddenFill>
+            </a:ext>
+          </a:extLst>
+        </p:spPr>
+      </p:pic>
+      <p:pic>
+        <p:nvPicPr>
+          <p:cNvPr id="1028" name="Picture 4">
+            <a:extLst>
+              <a:ext uri="{FF2B5EF4-FFF2-40B4-BE49-F238E27FC236}">
+                <a16:creationId xmlns:a16="http://schemas.microsoft.com/office/drawing/2014/main" id="{0D1062BC-FF1E-4402-8CEE-E32E7A18175F}"/>
+              </a:ext>
+            </a:extLst>
+          </p:cNvPr>
+          <p:cNvPicPr>
+            <a:picLocks noChangeAspect="1" noChangeArrowheads="1"/>
+          </p:cNvPicPr>
+          <p:nvPr/>
+        </p:nvPicPr>
+        <p:blipFill>
+          <a:blip r:embed="rId3">
+            <a:extLst>
+              <a:ext uri="{28A0092B-C50C-407E-A947-70E740481C1C}">
+                <a14:useLocalDpi xmlns:a14="http://schemas.microsoft.com/office/drawing/2010/main" val="0"/>
+              </a:ext>
+            </a:extLst>
+          </a:blip>
+          <a:srcRect/>
+          <a:stretch>
+            <a:fillRect/>
+          </a:stretch>
+        </p:blipFill>
+        <p:spPr bwMode="auto">
+          <a:xfrm>
+            <a:off x="6609407" y="2536857"/>
+            <a:ext cx="5334000" cy="3000375"/>
+          </a:xfrm>
+          <a:prstGeom prst="rect">
+            <a:avLst/>
+          </a:prstGeom>
+          <a:noFill/>
+          <a:extLst>
+            <a:ext uri="{909E8E84-426E-40DD-AFC4-6F175D3DCCD1}">
+              <a14:hiddenFill xmlns:a14="http://schemas.microsoft.com/office/drawing/2010/main">
+                <a:solidFill>
+                  <a:srgbClr val="FFFFFF"/>
+                </a:solidFill>
+              </a14:hiddenFill>
+            </a:ext>
+          </a:extLst>
+        </p:spPr>
+      </p:pic>
+    </p:spTree>
+    <p:extLst>
+      <p:ext uri="{BB962C8B-B14F-4D97-AF65-F5344CB8AC3E}">
+        <p14:creationId xmlns:p14="http://schemas.microsoft.com/office/powerpoint/2010/main" val="37437145"/>
+      </p:ext>
+    </p:extLst>
+  </p:cSld>
+  <p:clrMapOvr>
+    <a:masterClrMapping/>
+  </p:clrMapOvr>
+</p:sld>
+</file>
+
+<file path=ppt/slides/slide11.xml><?xml version="1.0" encoding="utf-8"?>
+<p:sld xmlns:a="http://schemas.openxmlformats.org/drawingml/2006/main" xmlns:r="http://schemas.openxmlformats.org/officeDocument/2006/relationships" xmlns:p="http://schemas.openxmlformats.org/presentationml/2006/main">
+  <p:cSld>
+    <p:spTree>
+      <p:nvGrpSpPr>
+        <p:cNvPr id="1" name=""/>
+        <p:cNvGrpSpPr/>
+        <p:nvPr/>
+      </p:nvGrpSpPr>
+      <p:grpSpPr>
+        <a:xfrm>
+          <a:off x="0" y="0"/>
+          <a:ext cx="0" cy="0"/>
+          <a:chOff x="0" y="0"/>
+          <a:chExt cx="0" cy="0"/>
+        </a:xfrm>
+      </p:grpSpPr>
+      <p:sp>
+        <p:nvSpPr>
+          <p:cNvPr id="2" name="Title 1">
+            <a:extLst>
+              <a:ext uri="{FF2B5EF4-FFF2-40B4-BE49-F238E27FC236}">
+                <a16:creationId xmlns:a16="http://schemas.microsoft.com/office/drawing/2014/main" id="{43D646AA-2CA1-4C72-BA8D-C4EDCAAA304B}"/>
+              </a:ext>
+            </a:extLst>
+          </p:cNvPr>
+          <p:cNvSpPr>
+            <a:spLocks noGrp="1"/>
+          </p:cNvSpPr>
+          <p:nvPr>
+            <p:ph type="title"/>
+          </p:nvPr>
+        </p:nvSpPr>
+        <p:spPr/>
+        <p:txBody>
+          <a:bodyPr/>
+          <a:lstStyle/>
+          <a:p>
+            <a:r>
+              <a:rPr lang="en-US" dirty="0"/>
+              <a:t>Transmon qubit design</a:t>
+            </a:r>
+          </a:p>
+        </p:txBody>
+      </p:sp>
+      <p:sp>
+        <p:nvSpPr>
+          <p:cNvPr id="3" name="Content Placeholder 2">
+            <a:extLst>
+              <a:ext uri="{FF2B5EF4-FFF2-40B4-BE49-F238E27FC236}">
+                <a16:creationId xmlns:a16="http://schemas.microsoft.com/office/drawing/2014/main" id="{B972FA8D-9DF7-4EE0-9A7E-7835A93043CB}"/>
+              </a:ext>
+            </a:extLst>
+          </p:cNvPr>
+          <p:cNvSpPr>
+            <a:spLocks noGrp="1"/>
+          </p:cNvSpPr>
+          <p:nvPr>
+            <p:ph idx="1"/>
+          </p:nvPr>
+        </p:nvSpPr>
+        <p:spPr/>
+        <p:txBody>
+          <a:bodyPr/>
+          <a:lstStyle/>
+          <a:p>
+            <a:endParaRPr lang="en-US" dirty="0"/>
+          </a:p>
+        </p:txBody>
+      </p:sp>
+    </p:spTree>
+    <p:extLst>
+      <p:ext uri="{BB962C8B-B14F-4D97-AF65-F5344CB8AC3E}">
+        <p14:creationId xmlns:p14="http://schemas.microsoft.com/office/powerpoint/2010/main" val="2658502318"/>
+      </p:ext>
+    </p:extLst>
+  </p:cSld>
+  <p:clrMapOvr>
+    <a:masterClrMapping/>
+  </p:clrMapOvr>
+</p:sld>
+</file>
+
+<file path=ppt/slides/slide12.xml><?xml version="1.0" encoding="utf-8"?>
+<p:sld xmlns:a="http://schemas.openxmlformats.org/drawingml/2006/main" xmlns:r="http://schemas.openxmlformats.org/officeDocument/2006/relationships" xmlns:p="http://schemas.openxmlformats.org/presentationml/2006/main">
+  <p:cSld>
+    <p:spTree>
+      <p:nvGrpSpPr>
+        <p:cNvPr id="1" name=""/>
+        <p:cNvGrpSpPr/>
+        <p:nvPr/>
+      </p:nvGrpSpPr>
+      <p:grpSpPr>
+        <a:xfrm>
+          <a:off x="0" y="0"/>
+          <a:ext cx="0" cy="0"/>
+          <a:chOff x="0" y="0"/>
+          <a:chExt cx="0" cy="0"/>
+        </a:xfrm>
+      </p:grpSpPr>
+      <p:sp>
+        <p:nvSpPr>
+          <p:cNvPr id="2" name="Title 1">
+            <a:extLst>
+              <a:ext uri="{FF2B5EF4-FFF2-40B4-BE49-F238E27FC236}">
+                <a16:creationId xmlns:a16="http://schemas.microsoft.com/office/drawing/2014/main" id="{247F9662-F178-4FA6-AE91-026A9069CECF}"/>
+              </a:ext>
+            </a:extLst>
+          </p:cNvPr>
+          <p:cNvSpPr>
+            <a:spLocks noGrp="1"/>
+          </p:cNvSpPr>
+          <p:nvPr>
+            <p:ph type="title"/>
+          </p:nvPr>
+        </p:nvSpPr>
+        <p:spPr/>
+        <p:txBody>
+          <a:bodyPr/>
+          <a:lstStyle/>
+          <a:p>
+            <a:r>
+              <a:rPr lang="en-US" dirty="0"/>
+              <a:t>References </a:t>
+            </a:r>
+          </a:p>
+        </p:txBody>
+      </p:sp>
+      <p:sp>
+        <p:nvSpPr>
+          <p:cNvPr id="3" name="Content Placeholder 2">
+            <a:extLst>
+              <a:ext uri="{FF2B5EF4-FFF2-40B4-BE49-F238E27FC236}">
+                <a16:creationId xmlns:a16="http://schemas.microsoft.com/office/drawing/2014/main" id="{CC10C74A-2B6A-41E8-866F-3AC6D123A3D4}"/>
+              </a:ext>
+            </a:extLst>
+          </p:cNvPr>
+          <p:cNvSpPr>
+            <a:spLocks noGrp="1"/>
+          </p:cNvSpPr>
+          <p:nvPr>
+            <p:ph idx="1"/>
+          </p:nvPr>
+        </p:nvSpPr>
+        <p:spPr/>
+        <p:txBody>
+          <a:bodyPr/>
+          <a:lstStyle/>
+          <a:p>
+            <a:pPr algn="just"/>
+            <a:r>
+              <a:rPr lang="en-US" dirty="0"/>
+              <a:t>1. Qiskit Metal Documentation- </a:t>
+            </a:r>
+            <a:r>
+              <a:rPr lang="en-US" dirty="0">
+                <a:hlinkClick r:id="rId2"/>
+              </a:rPr>
+              <a:t>https://qiskit.org/documentation/metal/</a:t>
+            </a:r>
+            <a:endParaRPr lang="en-US" dirty="0"/>
+          </a:p>
+          <a:p>
+            <a:pPr algn="just"/>
+            <a:r>
+              <a:rPr lang="en-US" dirty="0"/>
+              <a:t>2. Qiskit Textbook- </a:t>
+            </a:r>
+            <a:r>
+              <a:rPr lang="en-US" dirty="0">
+                <a:hlinkClick r:id="rId3"/>
+              </a:rPr>
+              <a:t>https://qiskit.org/learn/</a:t>
+            </a:r>
+            <a:endParaRPr lang="en-US" dirty="0"/>
+          </a:p>
+          <a:p>
+            <a:pPr algn="just"/>
+            <a:r>
+              <a:rPr lang="en-US" dirty="0"/>
+              <a:t>3. A Quantum Engineer's Guide to Superconducting Qubits</a:t>
+            </a:r>
+            <a:br>
+              <a:rPr lang="en-US" dirty="0"/>
+            </a:br>
+            <a:r>
+              <a:rPr lang="en-US" dirty="0"/>
+              <a:t>(</a:t>
+            </a:r>
+            <a:r>
+              <a:rPr lang="en-US" dirty="0">
+                <a:hlinkClick r:id="rId4"/>
+              </a:rPr>
+              <a:t>https://arxiv.org/abs/1904.06560</a:t>
+            </a:r>
+            <a:r>
+              <a:rPr lang="en-US" dirty="0"/>
+              <a:t>)</a:t>
+            </a:r>
+          </a:p>
+          <a:p>
+            <a:pPr algn="just"/>
+            <a:r>
+              <a:rPr lang="en-US" dirty="0"/>
+              <a:t>4. Quantum Computation and Quantum Information by Michael A. Nielsen and</a:t>
+            </a:r>
+            <a:br>
+              <a:rPr lang="en-US" dirty="0"/>
+            </a:br>
+            <a:r>
+              <a:rPr lang="en-US" dirty="0"/>
+              <a:t>Isaac Chuang</a:t>
+            </a:r>
+          </a:p>
+          <a:p>
+            <a:pPr algn="just"/>
+            <a:r>
+              <a:rPr lang="en-US" dirty="0"/>
+              <a:t>5. Principles of Superconducting Quantum Computers by Daniel D. Stancil and Gregory T. Byrd</a:t>
+            </a:r>
+          </a:p>
+          <a:p>
+            <a:pPr algn="just"/>
+            <a:r>
+              <a:rPr lang="en-US" dirty="0"/>
+              <a:t>6. National Academies of Sciences, Engineering, and Medicine. 2019. Quantum Computing: Progress and Prospects. Washington, DC: The National Academies Press. </a:t>
+            </a:r>
+            <a:r>
+              <a:rPr lang="en-US" dirty="0">
+                <a:hlinkClick r:id="rId5"/>
+              </a:rPr>
+              <a:t>https://doi.org/10.17226/25196</a:t>
+            </a:r>
+            <a:r>
+              <a:rPr lang="en-US" dirty="0"/>
+              <a:t>.</a:t>
+            </a:r>
+          </a:p>
+        </p:txBody>
+      </p:sp>
+    </p:spTree>
+    <p:extLst>
+      <p:ext uri="{BB962C8B-B14F-4D97-AF65-F5344CB8AC3E}">
+        <p14:creationId xmlns:p14="http://schemas.microsoft.com/office/powerpoint/2010/main" val="4057888178"/>
+      </p:ext>
+    </p:extLst>
+  </p:cSld>
+  <p:clrMapOvr>
+    <a:masterClrMapping/>
+  </p:clrMapOvr>
+</p:sld>
+</file>
+
 <file path=ppt/slides/slide2.xml><?xml version="1.0" encoding="utf-8"?>
 <p:sld xmlns:a="http://schemas.openxmlformats.org/drawingml/2006/main" xmlns:r="http://schemas.openxmlformats.org/officeDocument/2006/relationships" xmlns:p="http://schemas.openxmlformats.org/presentationml/2006/main">
   <p:cSld>
@@ -4445,8 +4855,41 @@
                 </a:ln>
                 <a:effectLst/>
               </a:rPr>
-              <a:t>Quantum Device Design (QDesign): QDesign</a:t>
-            </a:r>
+              <a:t>Quantum Device Design (</a:t>
+            </a:r>
+            <a:r>
+              <a:rPr kumimoji="0" lang="en-US" altLang="en-US" b="0" i="0" u="none" strike="noStrike" cap="none" normalizeH="0" baseline="0" dirty="0" err="1">
+                <a:ln>
+                  <a:noFill/>
+                </a:ln>
+                <a:effectLst/>
+              </a:rPr>
+              <a:t>QDesign</a:t>
+            </a:r>
+            <a:r>
+              <a:rPr kumimoji="0" lang="en-US" altLang="en-US" b="0" i="0" u="none" strike="noStrike" cap="none" normalizeH="0" baseline="0" dirty="0">
+                <a:ln>
+                  <a:noFill/>
+                </a:ln>
+                <a:effectLst/>
+              </a:rPr>
+              <a:t>): </a:t>
+            </a:r>
+            <a:r>
+              <a:rPr kumimoji="0" lang="en-US" altLang="en-US" b="0" i="0" u="none" strike="noStrike" cap="none" normalizeH="0" baseline="0" dirty="0" err="1">
+                <a:ln>
+                  <a:noFill/>
+                </a:ln>
+                <a:effectLst/>
+              </a:rPr>
+              <a:t>QDesign</a:t>
+            </a:r>
+            <a:endParaRPr kumimoji="0" lang="en-US" altLang="en-US" b="0" i="0" u="none" strike="noStrike" cap="none" normalizeH="0" baseline="0" dirty="0">
+              <a:ln>
+                <a:noFill/>
+              </a:ln>
+              <a:effectLst/>
+            </a:endParaRPr>
           </a:p>
           <a:p>
             <a:pPr eaLnBrk="0" fontAlgn="base" hangingPunct="0">
@@ -5110,6 +5553,42 @@
           </a:p>
         </p:txBody>
       </p:sp>
+      <p:pic>
+        <p:nvPicPr>
+          <p:cNvPr id="5" name="Picture 4">
+            <a:extLst>
+              <a:ext uri="{FF2B5EF4-FFF2-40B4-BE49-F238E27FC236}">
+                <a16:creationId xmlns:a16="http://schemas.microsoft.com/office/drawing/2014/main" id="{C85DF337-EE1F-4425-AF75-5C571432A995}"/>
+              </a:ext>
+            </a:extLst>
+          </p:cNvPr>
+          <p:cNvPicPr>
+            <a:picLocks noChangeAspect="1"/>
+          </p:cNvPicPr>
+          <p:nvPr/>
+        </p:nvPicPr>
+        <p:blipFill>
+          <a:blip r:embed="rId2">
+            <a:extLst>
+              <a:ext uri="{28A0092B-C50C-407E-A947-70E740481C1C}">
+                <a14:useLocalDpi xmlns:a14="http://schemas.microsoft.com/office/drawing/2010/main" val="0"/>
+              </a:ext>
+            </a:extLst>
+          </a:blip>
+          <a:stretch>
+            <a:fillRect/>
+          </a:stretch>
+        </p:blipFill>
+        <p:spPr>
+          <a:xfrm>
+            <a:off x="2100909" y="2947916"/>
+            <a:ext cx="7990182" cy="2892893"/>
+          </a:xfrm>
+          <a:prstGeom prst="rect">
+            <a:avLst/>
+          </a:prstGeom>
+        </p:spPr>
+      </p:pic>
     </p:spTree>
     <p:extLst>
       <p:ext uri="{BB962C8B-B14F-4D97-AF65-F5344CB8AC3E}">
@@ -5145,7 +5624,7 @@
           <p:cNvPr id="2" name="Title 1">
             <a:extLst>
               <a:ext uri="{FF2B5EF4-FFF2-40B4-BE49-F238E27FC236}">
-                <a16:creationId xmlns:a16="http://schemas.microsoft.com/office/drawing/2014/main" id="{247F9662-F178-4FA6-AE91-026A9069CECF}"/>
+                <a16:creationId xmlns:a16="http://schemas.microsoft.com/office/drawing/2014/main" id="{D24D2404-A9CA-4628-A025-67F5C60D1CAE}"/>
               </a:ext>
             </a:extLst>
           </p:cNvPr>
@@ -5163,7 +5642,7 @@
           <a:p>
             <a:r>
               <a:rPr lang="en-US" dirty="0"/>
-              <a:t>References </a:t>
+              <a:t>Qiskit metal using process</a:t>
             </a:r>
           </a:p>
         </p:txBody>
@@ -5173,7 +5652,7 @@
           <p:cNvPr id="3" name="Content Placeholder 2">
             <a:extLst>
               <a:ext uri="{FF2B5EF4-FFF2-40B4-BE49-F238E27FC236}">
-                <a16:creationId xmlns:a16="http://schemas.microsoft.com/office/drawing/2014/main" id="{CC10C74A-2B6A-41E8-866F-3AC6D123A3D4}"/>
+                <a16:creationId xmlns:a16="http://schemas.microsoft.com/office/drawing/2014/main" id="{A476ADA0-5177-4D44-A79B-2342CAC461B9}"/>
               </a:ext>
             </a:extLst>
           </p:cNvPr>
@@ -5184,106 +5663,119 @@
             <p:ph idx="1"/>
           </p:nvPr>
         </p:nvSpPr>
-        <p:spPr/>
-        <p:txBody>
-          <a:bodyPr/>
-          <a:lstStyle/>
+        <p:spPr>
+          <a:xfrm>
+            <a:off x="1069848" y="2121408"/>
+            <a:ext cx="10058400" cy="4251960"/>
+          </a:xfrm>
+        </p:spPr>
+        <p:txBody>
+          <a:bodyPr>
+            <a:normAutofit fontScale="92500" lnSpcReduction="10000"/>
+          </a:bodyPr>
+          <a:lstStyle/>
+          <a:p>
+            <a:pPr marL="0" indent="0" algn="just">
+              <a:buNone/>
+            </a:pPr>
+            <a:r>
+              <a:rPr lang="en-US" dirty="0"/>
+              <a:t>1. Choose a design class to instantiate.</a:t>
+            </a:r>
+          </a:p>
+          <a:p>
+            <a:pPr marL="0" indent="0" algn="just">
+              <a:buNone/>
+            </a:pPr>
+            <a:r>
+              <a:rPr lang="en-US" dirty="0"/>
+              <a:t>2. Add and modify pre-built components (qubits, coplanar wave guides, etc.) from the QComponent library to your design.</a:t>
+            </a:r>
+          </a:p>
+          <a:p>
+            <a:pPr marL="0" indent="0" algn="just">
+              <a:buNone/>
+            </a:pPr>
+            <a:r>
+              <a:rPr lang="en-US" dirty="0"/>
+              <a:t>3. Render to Simulate &amp; Analyze</a:t>
+            </a:r>
+          </a:p>
+          <a:p>
+            <a:pPr lvl="1" algn="just"/>
+            <a:r>
+              <a:rPr lang="en-US" dirty="0"/>
+              <a:t>Current Rendering Options:</a:t>
+            </a:r>
+          </a:p>
+          <a:p>
+            <a:pPr lvl="2" algn="just"/>
+            <a:r>
+              <a:rPr lang="en-US" dirty="0"/>
+              <a:t>Ansys</a:t>
+            </a:r>
+          </a:p>
+          <a:p>
+            <a:pPr lvl="3" algn="just"/>
+            <a:r>
+              <a:rPr lang="en-US" dirty="0"/>
+              <a:t>HFSS Renderer - for high frequency simulations (eigenmode, modal, terminal)</a:t>
+            </a:r>
+          </a:p>
+          <a:p>
+            <a:pPr lvl="4" algn="just"/>
+            <a:r>
+              <a:rPr lang="en-US" dirty="0"/>
+              <a:t>EPR Analysis - Uses eigenmode simulation to perform energy participation ratio analysis</a:t>
+            </a:r>
+          </a:p>
+          <a:p>
+            <a:pPr lvl="3" algn="just"/>
+            <a:r>
+              <a:rPr lang="en-US" dirty="0"/>
+              <a:t>Q3D Renderer - for extracting equivalent circuit values of a layout, such as capacitance</a:t>
+            </a:r>
+          </a:p>
+          <a:p>
+            <a:pPr lvl="4" algn="just"/>
+            <a:r>
+              <a:rPr lang="en-US" dirty="0"/>
+              <a:t>LOM Analysis - Uses the capacitance matrix from Q3D to determine the parameters of a transmon qubit</a:t>
+            </a:r>
+          </a:p>
+          <a:p>
+            <a:pPr marL="0" indent="0" algn="just">
+              <a:buNone/>
+            </a:pPr>
+            <a:r>
+              <a:rPr lang="en-US" dirty="0"/>
+              <a:t>4. Render for Fabrication</a:t>
+            </a:r>
+          </a:p>
+          <a:p>
+            <a:pPr lvl="1" algn="just"/>
+            <a:r>
+              <a:rPr lang="en-US" dirty="0"/>
+              <a:t>Current Rendering Options:</a:t>
+            </a:r>
+          </a:p>
+          <a:p>
+            <a:pPr lvl="2" algn="just"/>
+            <a:r>
+              <a:rPr lang="en-US" dirty="0"/>
+              <a:t>GDS</a:t>
+            </a:r>
+          </a:p>
           <a:p>
             <a:pPr algn="just"/>
-            <a:r>
-              <a:rPr lang="en-US" dirty="0"/>
-              <a:t>1. Qiskit Metal Documentation- </a:t>
-            </a:r>
-            <a:r>
-              <a:rPr lang="en-US" dirty="0">
-                <a:hlinkClick r:id="rId2"/>
-              </a:rPr>
-              <a:t>https://qiskit.org/documentation/metal/</a:t>
-            </a:r>
             <a:endParaRPr lang="en-US" dirty="0"/>
-          </a:p>
-          <a:p>
-            <a:pPr algn="just"/>
-            <a:r>
-              <a:rPr lang="en-US" dirty="0"/>
-              <a:t>2. Qiskit Textbook- </a:t>
-            </a:r>
-            <a:r>
-              <a:rPr lang="en-US" dirty="0">
-                <a:hlinkClick r:id="rId3"/>
-              </a:rPr>
-              <a:t>https://qiskit.org/learn/</a:t>
-            </a:r>
-            <a:endParaRPr lang="en-US" dirty="0"/>
-          </a:p>
-          <a:p>
-            <a:pPr algn="just"/>
-            <a:r>
-              <a:rPr lang="en-US" dirty="0"/>
-              <a:t>3. A Quantum Engineer's Guide to Superconducting Qubits</a:t>
-            </a:r>
-            <a:br>
-              <a:rPr lang="en-US" dirty="0"/>
-            </a:br>
-            <a:r>
-              <a:rPr lang="en-US" dirty="0"/>
-              <a:t>(</a:t>
-            </a:r>
-            <a:r>
-              <a:rPr lang="en-US" dirty="0">
-                <a:hlinkClick r:id="rId4"/>
-              </a:rPr>
-              <a:t>https://arxiv.org/abs/1904.06560</a:t>
-            </a:r>
-            <a:r>
-              <a:rPr lang="en-US" dirty="0"/>
-              <a:t>)</a:t>
-            </a:r>
-          </a:p>
-          <a:p>
-            <a:pPr algn="just"/>
-            <a:r>
-              <a:rPr lang="en-US" dirty="0"/>
-              <a:t>4. Quantum Computation and Quantum Information by Michael A. Nielsen and</a:t>
-            </a:r>
-            <a:br>
-              <a:rPr lang="en-US" dirty="0"/>
-            </a:br>
-            <a:r>
-              <a:rPr lang="en-US" dirty="0"/>
-              <a:t>Isaac Chuang</a:t>
-            </a:r>
-          </a:p>
-          <a:p>
-            <a:pPr algn="just"/>
-            <a:r>
-              <a:rPr lang="en-US" dirty="0"/>
-              <a:t>5. Principles of Superconducting Quantum Computers by Daniel D. Stancil and Gregory T. Byrd</a:t>
-            </a:r>
-          </a:p>
-          <a:p>
-            <a:pPr algn="just"/>
-            <a:r>
-              <a:rPr lang="en-US" dirty="0"/>
-              <a:t>6. National Academies of Sciences, Engineering, and Medicine. 2019. Quantum Computing: Progress and Prospects. Washington, DC: The National Academies Press. </a:t>
-            </a:r>
-            <a:r>
-              <a:rPr lang="en-US" dirty="0">
-                <a:hlinkClick r:id="rId5"/>
-              </a:rPr>
-              <a:t>https://doi.org/10.17226/25196</a:t>
-            </a:r>
-            <a:r>
-              <a:rPr lang="en-US" dirty="0"/>
-              <a:t>.</a:t>
-            </a:r>
           </a:p>
         </p:txBody>
       </p:sp>
     </p:spTree>
     <p:extLst>
       <p:ext uri="{BB962C8B-B14F-4D97-AF65-F5344CB8AC3E}">
-        <p14:creationId xmlns:p14="http://schemas.microsoft.com/office/powerpoint/2010/main" val="4057888178"/>
+        <p14:creationId xmlns:p14="http://schemas.microsoft.com/office/powerpoint/2010/main" val="3840375197"/>
       </p:ext>
     </p:extLst>
   </p:cSld>
